--- a/Complex Number.pptx
+++ b/Complex Number.pptx
@@ -110,11 +110,6 @@
       </a:defRPr>
     </a:lvl9pPr>
   </p:defaultTextStyle>
-  <p:extLst>
-    <p:ext uri="{EFAFB233-063F-42B5-8137-9DF3F51BA10A}">
-      <p15:sldGuideLst xmlns:p15="http://schemas.microsoft.com/office/powerpoint/2012/main"/>
-    </p:ext>
-  </p:extLst>
 </p:presentation>
 </file>
 
@@ -265,7 +260,7 @@
           <a:p>
             <a:fld id="{CD7F91C0-1213-4B3A-9CA6-85423FCDF78C}" type="datetimeFigureOut">
               <a:rPr lang="en-US" smtClean="0"/>
-              <a:t>8/22/2025</a:t>
+              <a:t>7/25/2025</a:t>
             </a:fld>
             <a:endParaRPr lang="en-US"/>
           </a:p>
@@ -463,7 +458,7 @@
           <a:p>
             <a:fld id="{CD7F91C0-1213-4B3A-9CA6-85423FCDF78C}" type="datetimeFigureOut">
               <a:rPr lang="en-US" smtClean="0"/>
-              <a:t>8/22/2025</a:t>
+              <a:t>7/25/2025</a:t>
             </a:fld>
             <a:endParaRPr lang="en-US"/>
           </a:p>
@@ -671,7 +666,7 @@
           <a:p>
             <a:fld id="{CD7F91C0-1213-4B3A-9CA6-85423FCDF78C}" type="datetimeFigureOut">
               <a:rPr lang="en-US" smtClean="0"/>
-              <a:t>8/22/2025</a:t>
+              <a:t>7/25/2025</a:t>
             </a:fld>
             <a:endParaRPr lang="en-US"/>
           </a:p>
@@ -869,7 +864,7 @@
           <a:p>
             <a:fld id="{CD7F91C0-1213-4B3A-9CA6-85423FCDF78C}" type="datetimeFigureOut">
               <a:rPr lang="en-US" smtClean="0"/>
-              <a:t>8/22/2025</a:t>
+              <a:t>7/25/2025</a:t>
             </a:fld>
             <a:endParaRPr lang="en-US"/>
           </a:p>
@@ -1144,7 +1139,7 @@
           <a:p>
             <a:fld id="{CD7F91C0-1213-4B3A-9CA6-85423FCDF78C}" type="datetimeFigureOut">
               <a:rPr lang="en-US" smtClean="0"/>
-              <a:t>8/22/2025</a:t>
+              <a:t>7/25/2025</a:t>
             </a:fld>
             <a:endParaRPr lang="en-US"/>
           </a:p>
@@ -1409,7 +1404,7 @@
           <a:p>
             <a:fld id="{CD7F91C0-1213-4B3A-9CA6-85423FCDF78C}" type="datetimeFigureOut">
               <a:rPr lang="en-US" smtClean="0"/>
-              <a:t>8/22/2025</a:t>
+              <a:t>7/25/2025</a:t>
             </a:fld>
             <a:endParaRPr lang="en-US"/>
           </a:p>
@@ -1821,7 +1816,7 @@
           <a:p>
             <a:fld id="{CD7F91C0-1213-4B3A-9CA6-85423FCDF78C}" type="datetimeFigureOut">
               <a:rPr lang="en-US" smtClean="0"/>
-              <a:t>8/22/2025</a:t>
+              <a:t>7/25/2025</a:t>
             </a:fld>
             <a:endParaRPr lang="en-US"/>
           </a:p>
@@ -1962,7 +1957,7 @@
           <a:p>
             <a:fld id="{CD7F91C0-1213-4B3A-9CA6-85423FCDF78C}" type="datetimeFigureOut">
               <a:rPr lang="en-US" smtClean="0"/>
-              <a:t>8/22/2025</a:t>
+              <a:t>7/25/2025</a:t>
             </a:fld>
             <a:endParaRPr lang="en-US"/>
           </a:p>
@@ -2075,7 +2070,7 @@
           <a:p>
             <a:fld id="{CD7F91C0-1213-4B3A-9CA6-85423FCDF78C}" type="datetimeFigureOut">
               <a:rPr lang="en-US" smtClean="0"/>
-              <a:t>8/22/2025</a:t>
+              <a:t>7/25/2025</a:t>
             </a:fld>
             <a:endParaRPr lang="en-US"/>
           </a:p>
@@ -2386,7 +2381,7 @@
           <a:p>
             <a:fld id="{CD7F91C0-1213-4B3A-9CA6-85423FCDF78C}" type="datetimeFigureOut">
               <a:rPr lang="en-US" smtClean="0"/>
-              <a:t>8/22/2025</a:t>
+              <a:t>7/25/2025</a:t>
             </a:fld>
             <a:endParaRPr lang="en-US"/>
           </a:p>
@@ -2674,7 +2669,7 @@
           <a:p>
             <a:fld id="{CD7F91C0-1213-4B3A-9CA6-85423FCDF78C}" type="datetimeFigureOut">
               <a:rPr lang="en-US" smtClean="0"/>
-              <a:t>8/22/2025</a:t>
+              <a:t>7/25/2025</a:t>
             </a:fld>
             <a:endParaRPr lang="en-US"/>
           </a:p>
@@ -2915,7 +2910,7 @@
           <a:p>
             <a:fld id="{CD7F91C0-1213-4B3A-9CA6-85423FCDF78C}" type="datetimeFigureOut">
               <a:rPr lang="en-US" smtClean="0"/>
-              <a:t>8/22/2025</a:t>
+              <a:t>7/25/2025</a:t>
             </a:fld>
             <a:endParaRPr lang="en-US"/>
           </a:p>
@@ -3944,279 +3939,6 @@
           </a:prstGeom>
         </p:spPr>
       </p:pic>
-      <mc:AlternateContent xmlns:mc="http://schemas.openxmlformats.org/markup-compatibility/2006">
-        <mc:Choice xmlns:a14="http://schemas.microsoft.com/office/drawing/2010/main" Requires="a14">
-          <p:sp>
-            <p:nvSpPr>
-              <p:cNvPr id="2" name="TextBox 1">
-                <a:extLst>
-                  <a:ext uri="{FF2B5EF4-FFF2-40B4-BE49-F238E27FC236}">
-                    <a16:creationId xmlns:a16="http://schemas.microsoft.com/office/drawing/2014/main" id="{1E7B847A-5B75-A47D-CEC1-8D8668E6247B}"/>
-                  </a:ext>
-                </a:extLst>
-              </p:cNvPr>
-              <p:cNvSpPr txBox="1"/>
-              <p:nvPr/>
-            </p:nvSpPr>
-            <p:spPr>
-              <a:xfrm>
-                <a:off x="1849805" y="3244334"/>
-                <a:ext cx="9531777" cy="1200329"/>
-              </a:xfrm>
-              <a:prstGeom prst="rect">
-                <a:avLst/>
-              </a:prstGeom>
-              <a:noFill/>
-            </p:spPr>
-            <p:txBody>
-              <a:bodyPr wrap="none" rtlCol="0">
-                <a:spAutoFit/>
-              </a:bodyPr>
-              <a:lstStyle/>
-              <a:p>
-                <a:r>
-                  <a:rPr lang="en-US" b="1" dirty="0"/>
-                  <a:t>If z is a </a:t>
-                </a:r>
-                <a:r>
-                  <a:rPr lang="en-US" b="1"/>
-                  <a:t>complex number </a:t>
-                </a:r>
-                <a:r>
-                  <a:rPr lang="en-US" b="1" dirty="0"/>
-                  <a:t>,Show that </a:t>
-                </a:r>
-                <a14:m>
-                  <m:oMath xmlns:m="http://schemas.openxmlformats.org/officeDocument/2006/math">
-                    <m:r>
-                      <a:rPr lang="en-US" b="1" i="1" smtClean="0">
-                        <a:latin typeface="Cambria Math" panose="02040503050406030204" pitchFamily="18" charset="0"/>
-                      </a:rPr>
-                      <m:t>𝒛</m:t>
-                    </m:r>
-                    <m:r>
-                      <a:rPr lang="en-US" b="1" i="1" smtClean="0">
-                        <a:latin typeface="Cambria Math" panose="02040503050406030204" pitchFamily="18" charset="0"/>
-                      </a:rPr>
-                      <m:t>−</m:t>
-                    </m:r>
-                    <m:acc>
-                      <m:accPr>
-                        <m:chr m:val="̅"/>
-                        <m:ctrlPr>
-                          <a:rPr lang="en-US" b="1" i="1" smtClean="0">
-                            <a:latin typeface="Cambria Math" panose="02040503050406030204" pitchFamily="18" charset="0"/>
-                          </a:rPr>
-                        </m:ctrlPr>
-                      </m:accPr>
-                      <m:e>
-                        <m:r>
-                          <a:rPr lang="en-US" b="1" i="1" smtClean="0">
-                            <a:latin typeface="Cambria Math" panose="02040503050406030204" pitchFamily="18" charset="0"/>
-                          </a:rPr>
-                          <m:t>𝒛</m:t>
-                        </m:r>
-                      </m:e>
-                    </m:acc>
-                    <m:r>
-                      <a:rPr lang="en-US" b="1" i="1" smtClean="0">
-                        <a:latin typeface="Cambria Math" panose="02040503050406030204" pitchFamily="18" charset="0"/>
-                      </a:rPr>
-                      <m:t> </m:t>
-                    </m:r>
-                    <m:r>
-                      <a:rPr lang="en-US" b="1" i="1" smtClean="0">
-                        <a:latin typeface="Cambria Math" panose="02040503050406030204" pitchFamily="18" charset="0"/>
-                      </a:rPr>
-                      <m:t>𝒊𝒔</m:t>
-                    </m:r>
-                    <m:r>
-                      <a:rPr lang="en-US" b="1" i="1" smtClean="0">
-                        <a:latin typeface="Cambria Math" panose="02040503050406030204" pitchFamily="18" charset="0"/>
-                      </a:rPr>
-                      <m:t> </m:t>
-                    </m:r>
-                    <m:r>
-                      <a:rPr lang="en-US" b="1" i="1" smtClean="0">
-                        <a:latin typeface="Cambria Math" panose="02040503050406030204" pitchFamily="18" charset="0"/>
-                      </a:rPr>
-                      <m:t>𝒂</m:t>
-                    </m:r>
-                    <m:r>
-                      <a:rPr lang="en-US" b="1" i="1" smtClean="0">
-                        <a:latin typeface="Cambria Math" panose="02040503050406030204" pitchFamily="18" charset="0"/>
-                      </a:rPr>
-                      <m:t> </m:t>
-                    </m:r>
-                    <m:r>
-                      <a:rPr lang="en-US" b="1" i="1" smtClean="0">
-                        <a:latin typeface="Cambria Math" panose="02040503050406030204" pitchFamily="18" charset="0"/>
-                      </a:rPr>
-                      <m:t>𝒓𝒆𝒂𝒍</m:t>
-                    </m:r>
-                    <m:r>
-                      <a:rPr lang="en-US" b="1" i="1" smtClean="0">
-                        <a:latin typeface="Cambria Math" panose="02040503050406030204" pitchFamily="18" charset="0"/>
-                      </a:rPr>
-                      <m:t> </m:t>
-                    </m:r>
-                    <m:r>
-                      <a:rPr lang="en-US" b="1" i="1" smtClean="0">
-                        <a:latin typeface="Cambria Math" panose="02040503050406030204" pitchFamily="18" charset="0"/>
-                      </a:rPr>
-                      <m:t>𝒏𝒖𝒎𝒃𝒆𝒓</m:t>
-                    </m:r>
-                    <m:r>
-                      <a:rPr lang="en-US" b="1" i="1" smtClean="0">
-                        <a:latin typeface="Cambria Math" panose="02040503050406030204" pitchFamily="18" charset="0"/>
-                      </a:rPr>
-                      <m:t> </m:t>
-                    </m:r>
-                    <m:r>
-                      <a:rPr lang="en-US" b="1" i="1" smtClean="0">
-                        <a:latin typeface="Cambria Math" panose="02040503050406030204" pitchFamily="18" charset="0"/>
-                      </a:rPr>
-                      <m:t>𝒘𝒉𝒊𝒍𝒆</m:t>
-                    </m:r>
-                    <m:r>
-                      <a:rPr lang="en-US" b="1" i="1" smtClean="0">
-                        <a:latin typeface="Cambria Math" panose="02040503050406030204" pitchFamily="18" charset="0"/>
-                      </a:rPr>
-                      <m:t> </m:t>
-                    </m:r>
-                    <m:r>
-                      <a:rPr lang="en-US" b="1" i="1" smtClean="0">
-                        <a:latin typeface="Cambria Math" panose="02040503050406030204" pitchFamily="18" charset="0"/>
-                      </a:rPr>
-                      <m:t>𝒛</m:t>
-                    </m:r>
-                    <m:r>
-                      <a:rPr lang="en-US" b="1" i="1" smtClean="0">
-                        <a:latin typeface="Cambria Math" panose="02040503050406030204" pitchFamily="18" charset="0"/>
-                      </a:rPr>
-                      <m:t>+</m:t>
-                    </m:r>
-                    <m:acc>
-                      <m:accPr>
-                        <m:chr m:val="̅"/>
-                        <m:ctrlPr>
-                          <a:rPr lang="en-US" b="1" i="1" smtClean="0">
-                            <a:latin typeface="Cambria Math" panose="02040503050406030204" pitchFamily="18" charset="0"/>
-                          </a:rPr>
-                        </m:ctrlPr>
-                      </m:accPr>
-                      <m:e>
-                        <m:r>
-                          <a:rPr lang="en-US" b="1" i="1" smtClean="0">
-                            <a:latin typeface="Cambria Math" panose="02040503050406030204" pitchFamily="18" charset="0"/>
-                          </a:rPr>
-                          <m:t>𝒛</m:t>
-                        </m:r>
-                      </m:e>
-                    </m:acc>
-                    <m:r>
-                      <a:rPr lang="en-US" b="1" i="1" smtClean="0">
-                        <a:latin typeface="Cambria Math" panose="02040503050406030204" pitchFamily="18" charset="0"/>
-                      </a:rPr>
-                      <m:t> </m:t>
-                    </m:r>
-                    <m:r>
-                      <a:rPr lang="en-US" b="1" i="1" smtClean="0">
-                        <a:latin typeface="Cambria Math" panose="02040503050406030204" pitchFamily="18" charset="0"/>
-                      </a:rPr>
-                      <m:t>𝒊𝒔</m:t>
-                    </m:r>
-                    <m:r>
-                      <a:rPr lang="en-US" b="1" i="1" smtClean="0">
-                        <a:latin typeface="Cambria Math" panose="02040503050406030204" pitchFamily="18" charset="0"/>
-                      </a:rPr>
-                      <m:t> </m:t>
-                    </m:r>
-                    <m:r>
-                      <a:rPr lang="en-US" b="1" i="1" smtClean="0">
-                        <a:latin typeface="Cambria Math" panose="02040503050406030204" pitchFamily="18" charset="0"/>
-                      </a:rPr>
-                      <m:t>𝒄𝒐𝒎𝒑𝒍𝒆𝒙</m:t>
-                    </m:r>
-                    <m:r>
-                      <a:rPr lang="en-US" b="1" i="1" smtClean="0">
-                        <a:latin typeface="Cambria Math" panose="02040503050406030204" pitchFamily="18" charset="0"/>
-                      </a:rPr>
-                      <m:t> </m:t>
-                    </m:r>
-                    <m:r>
-                      <a:rPr lang="en-US" b="1" i="1" smtClean="0">
-                        <a:latin typeface="Cambria Math" panose="02040503050406030204" pitchFamily="18" charset="0"/>
-                      </a:rPr>
-                      <m:t>𝒏𝒖𝒎𝒃𝒆𝒓</m:t>
-                    </m:r>
-                  </m:oMath>
-                </a14:m>
-                <a:endParaRPr lang="en-US" b="1" dirty="0"/>
-              </a:p>
-              <a:p>
-                <a:endParaRPr lang="en-US" b="1" dirty="0"/>
-              </a:p>
-              <a:p>
-                <a:r>
-                  <a:rPr lang="en-US" b="1" dirty="0"/>
-                  <a:t>What is the conjugate of 3+5i?</a:t>
-                </a:r>
-              </a:p>
-              <a:p>
-                <a:r>
-                  <a:rPr lang="en-US" b="1" dirty="0"/>
-                  <a:t> find (3+5i)(5+6i) and check whether it is a complex or not.</a:t>
-                </a:r>
-              </a:p>
-            </p:txBody>
-          </p:sp>
-        </mc:Choice>
-        <mc:Fallback>
-          <p:sp>
-            <p:nvSpPr>
-              <p:cNvPr id="2" name="TextBox 1">
-                <a:extLst>
-                  <a:ext uri="{FF2B5EF4-FFF2-40B4-BE49-F238E27FC236}">
-                    <a16:creationId xmlns:a16="http://schemas.microsoft.com/office/drawing/2014/main" id="{1E7B847A-5B75-A47D-CEC1-8D8668E6247B}"/>
-                  </a:ext>
-                </a:extLst>
-              </p:cNvPr>
-              <p:cNvSpPr txBox="1">
-                <a:spLocks noRot="1" noChangeAspect="1" noMove="1" noResize="1" noEditPoints="1" noAdjustHandles="1" noChangeArrowheads="1" noChangeShapeType="1" noTextEdit="1"/>
-              </p:cNvSpPr>
-              <p:nvPr/>
-            </p:nvSpPr>
-            <p:spPr>
-              <a:xfrm>
-                <a:off x="1849805" y="3244334"/>
-                <a:ext cx="9531777" cy="1200329"/>
-              </a:xfrm>
-              <a:prstGeom prst="rect">
-                <a:avLst/>
-              </a:prstGeom>
-              <a:blipFill>
-                <a:blip r:embed="rId3"/>
-                <a:stretch>
-                  <a:fillRect l="-512" t="-2538" b="-7107"/>
-                </a:stretch>
-              </a:blipFill>
-            </p:spPr>
-            <p:txBody>
-              <a:bodyPr/>
-              <a:lstStyle/>
-              <a:p>
-                <a:r>
-                  <a:rPr lang="en-US">
-                    <a:noFill/>
-                  </a:rPr>
-                  <a:t> </a:t>
-                </a:r>
-              </a:p>
-            </p:txBody>
-          </p:sp>
-        </mc:Fallback>
-      </mc:AlternateContent>
     </p:spTree>
     <p:extLst>
       <p:ext uri="{BB962C8B-B14F-4D97-AF65-F5344CB8AC3E}">
